--- a/ppt 16-9/1154.新耶路撒冷之.pptx
+++ b/ppt 16-9/1154.新耶路撒冷之.pptx
@@ -5,7 +5,7 @@
     <p:sldMasterId id="2147483648" r:id="rId1"/>
   </p:sldMasterIdLst>
   <p:sldIdLst>
-    <p:sldId id="650" r:id="rId2"/>
+    <p:sldId id="652" r:id="rId2"/>
   </p:sldIdLst>
   <p:sldSz cx="12192000" cy="6858000"/>
   <p:notesSz cx="6858000" cy="9144000"/>
@@ -129,7 +129,7 @@
           <p:cNvPr id="2" name="标题 1">
             <a:extLst>
               <a:ext uri="{FF2B5EF4-FFF2-40B4-BE49-F238E27FC236}">
-                <a16:creationId xmlns:a16="http://schemas.microsoft.com/office/drawing/2014/main" id="{D9E378A3-797E-7953-6431-E98AA28B72B9}"/>
+                <a16:creationId xmlns:a16="http://schemas.microsoft.com/office/drawing/2014/main" id="{EDD5AC37-83C7-BCA9-D4DB-97035D2042E9}"/>
               </a:ext>
             </a:extLst>
           </p:cNvPr>
@@ -166,7 +166,7 @@
           <p:cNvPr id="3" name="副标题 2">
             <a:extLst>
               <a:ext uri="{FF2B5EF4-FFF2-40B4-BE49-F238E27FC236}">
-                <a16:creationId xmlns:a16="http://schemas.microsoft.com/office/drawing/2014/main" id="{E6227985-C9D9-57A4-B7B2-D6CEAFE215BF}"/>
+                <a16:creationId xmlns:a16="http://schemas.microsoft.com/office/drawing/2014/main" id="{13B042C9-9D5F-2054-6F4A-03CE4F6ECCE3}"/>
               </a:ext>
             </a:extLst>
           </p:cNvPr>
@@ -236,7 +236,7 @@
           <p:cNvPr id="4" name="日期占位符 3">
             <a:extLst>
               <a:ext uri="{FF2B5EF4-FFF2-40B4-BE49-F238E27FC236}">
-                <a16:creationId xmlns:a16="http://schemas.microsoft.com/office/drawing/2014/main" id="{05DAFE2E-32F6-4CD1-6BE6-A613743EF58B}"/>
+                <a16:creationId xmlns:a16="http://schemas.microsoft.com/office/drawing/2014/main" id="{0125239E-597E-2AD2-591D-A90C9B3D2370}"/>
               </a:ext>
             </a:extLst>
           </p:cNvPr>
@@ -252,7 +252,7 @@
           <a:bodyPr/>
           <a:lstStyle/>
           <a:p>
-            <a:fld id="{F21E512C-2683-4E65-8333-942B9D988B64}" type="datetimeFigureOut">
+            <a:fld id="{2C9C49A0-9CE4-40AE-A767-3B37B2327B39}" type="datetimeFigureOut">
               <a:rPr lang="zh-CN" altLang="en-US" smtClean="0"/>
               <a:t>2024/3/10</a:t>
             </a:fld>
@@ -265,7 +265,7 @@
           <p:cNvPr id="5" name="页脚占位符 4">
             <a:extLst>
               <a:ext uri="{FF2B5EF4-FFF2-40B4-BE49-F238E27FC236}">
-                <a16:creationId xmlns:a16="http://schemas.microsoft.com/office/drawing/2014/main" id="{4D3C253E-A669-C0B3-608A-F65F7C737022}"/>
+                <a16:creationId xmlns:a16="http://schemas.microsoft.com/office/drawing/2014/main" id="{8DB7BB4B-F47C-FB42-3FCB-4C1A6FF05406}"/>
               </a:ext>
             </a:extLst>
           </p:cNvPr>
@@ -290,7 +290,7 @@
           <p:cNvPr id="6" name="灯片编号占位符 5">
             <a:extLst>
               <a:ext uri="{FF2B5EF4-FFF2-40B4-BE49-F238E27FC236}">
-                <a16:creationId xmlns:a16="http://schemas.microsoft.com/office/drawing/2014/main" id="{B8EE0E10-CCDB-4FD7-69F6-FE075E199209}"/>
+                <a16:creationId xmlns:a16="http://schemas.microsoft.com/office/drawing/2014/main" id="{D738A01E-D6C3-DBE5-C5D6-1933F0DC6A0E}"/>
               </a:ext>
             </a:extLst>
           </p:cNvPr>
@@ -306,7 +306,7 @@
           <a:bodyPr/>
           <a:lstStyle/>
           <a:p>
-            <a:fld id="{51CC3DF0-770B-4404-A86A-8BB7FC11A9DC}" type="slidenum">
+            <a:fld id="{EA943876-0389-4991-BA2A-18AF7B82D6E0}" type="slidenum">
               <a:rPr lang="zh-CN" altLang="en-US" smtClean="0"/>
               <a:t>‹#›</a:t>
             </a:fld>
@@ -317,7 +317,7 @@
     </p:spTree>
     <p:extLst>
       <p:ext uri="{BB962C8B-B14F-4D97-AF65-F5344CB8AC3E}">
-        <p14:creationId xmlns:p14="http://schemas.microsoft.com/office/powerpoint/2010/main" val="210195359"/>
+        <p14:creationId xmlns:p14="http://schemas.microsoft.com/office/powerpoint/2010/main" val="1011959792"/>
       </p:ext>
     </p:extLst>
   </p:cSld>
@@ -349,7 +349,7 @@
           <p:cNvPr id="2" name="标题 1">
             <a:extLst>
               <a:ext uri="{FF2B5EF4-FFF2-40B4-BE49-F238E27FC236}">
-                <a16:creationId xmlns:a16="http://schemas.microsoft.com/office/drawing/2014/main" id="{53507612-C960-079C-EB62-BCB4A8F068E5}"/>
+                <a16:creationId xmlns:a16="http://schemas.microsoft.com/office/drawing/2014/main" id="{F0295133-C3FF-53CD-8B5C-069FA3BE2DDC}"/>
               </a:ext>
             </a:extLst>
           </p:cNvPr>
@@ -377,7 +377,7 @@
           <p:cNvPr id="3" name="竖排文字占位符 2">
             <a:extLst>
               <a:ext uri="{FF2B5EF4-FFF2-40B4-BE49-F238E27FC236}">
-                <a16:creationId xmlns:a16="http://schemas.microsoft.com/office/drawing/2014/main" id="{AC6B923A-5E7D-967B-8C11-B8AA10BBA0F8}"/>
+                <a16:creationId xmlns:a16="http://schemas.microsoft.com/office/drawing/2014/main" id="{BD3ECDE6-5BDD-538B-CB86-D37230DC3A1C}"/>
               </a:ext>
             </a:extLst>
           </p:cNvPr>
@@ -434,7 +434,7 @@
           <p:cNvPr id="4" name="日期占位符 3">
             <a:extLst>
               <a:ext uri="{FF2B5EF4-FFF2-40B4-BE49-F238E27FC236}">
-                <a16:creationId xmlns:a16="http://schemas.microsoft.com/office/drawing/2014/main" id="{C5EEE553-53C6-A20D-6FE5-91B3715D6292}"/>
+                <a16:creationId xmlns:a16="http://schemas.microsoft.com/office/drawing/2014/main" id="{961068D7-44F6-1A98-72B8-6F7F5ED4B009}"/>
               </a:ext>
             </a:extLst>
           </p:cNvPr>
@@ -450,7 +450,7 @@
           <a:bodyPr/>
           <a:lstStyle/>
           <a:p>
-            <a:fld id="{F21E512C-2683-4E65-8333-942B9D988B64}" type="datetimeFigureOut">
+            <a:fld id="{2C9C49A0-9CE4-40AE-A767-3B37B2327B39}" type="datetimeFigureOut">
               <a:rPr lang="zh-CN" altLang="en-US" smtClean="0"/>
               <a:t>2024/3/10</a:t>
             </a:fld>
@@ -463,7 +463,7 @@
           <p:cNvPr id="5" name="页脚占位符 4">
             <a:extLst>
               <a:ext uri="{FF2B5EF4-FFF2-40B4-BE49-F238E27FC236}">
-                <a16:creationId xmlns:a16="http://schemas.microsoft.com/office/drawing/2014/main" id="{63DB0BC9-3D64-5A68-5823-6A53DC8B4B30}"/>
+                <a16:creationId xmlns:a16="http://schemas.microsoft.com/office/drawing/2014/main" id="{D6AE59BF-466C-B421-4BDE-D4EEB9B630B3}"/>
               </a:ext>
             </a:extLst>
           </p:cNvPr>
@@ -488,7 +488,7 @@
           <p:cNvPr id="6" name="灯片编号占位符 5">
             <a:extLst>
               <a:ext uri="{FF2B5EF4-FFF2-40B4-BE49-F238E27FC236}">
-                <a16:creationId xmlns:a16="http://schemas.microsoft.com/office/drawing/2014/main" id="{37273765-C3CF-12C3-9ED1-7798572C22BA}"/>
+                <a16:creationId xmlns:a16="http://schemas.microsoft.com/office/drawing/2014/main" id="{FA232305-A6B4-5F31-0CE1-A32019533B74}"/>
               </a:ext>
             </a:extLst>
           </p:cNvPr>
@@ -504,7 +504,7 @@
           <a:bodyPr/>
           <a:lstStyle/>
           <a:p>
-            <a:fld id="{51CC3DF0-770B-4404-A86A-8BB7FC11A9DC}" type="slidenum">
+            <a:fld id="{EA943876-0389-4991-BA2A-18AF7B82D6E0}" type="slidenum">
               <a:rPr lang="zh-CN" altLang="en-US" smtClean="0"/>
               <a:t>‹#›</a:t>
             </a:fld>
@@ -515,7 +515,7 @@
     </p:spTree>
     <p:extLst>
       <p:ext uri="{BB962C8B-B14F-4D97-AF65-F5344CB8AC3E}">
-        <p14:creationId xmlns:p14="http://schemas.microsoft.com/office/powerpoint/2010/main" val="242519090"/>
+        <p14:creationId xmlns:p14="http://schemas.microsoft.com/office/powerpoint/2010/main" val="2081360502"/>
       </p:ext>
     </p:extLst>
   </p:cSld>
@@ -547,7 +547,7 @@
           <p:cNvPr id="2" name="竖排标题 1">
             <a:extLst>
               <a:ext uri="{FF2B5EF4-FFF2-40B4-BE49-F238E27FC236}">
-                <a16:creationId xmlns:a16="http://schemas.microsoft.com/office/drawing/2014/main" id="{A05CF65A-438F-8F23-A8A3-AC5D0293EB1B}"/>
+                <a16:creationId xmlns:a16="http://schemas.microsoft.com/office/drawing/2014/main" id="{8C204AF4-90D3-0F48-F61D-09D7332B9D9B}"/>
               </a:ext>
             </a:extLst>
           </p:cNvPr>
@@ -580,7 +580,7 @@
           <p:cNvPr id="3" name="竖排文字占位符 2">
             <a:extLst>
               <a:ext uri="{FF2B5EF4-FFF2-40B4-BE49-F238E27FC236}">
-                <a16:creationId xmlns:a16="http://schemas.microsoft.com/office/drawing/2014/main" id="{5B46EB5C-3165-B5B6-A83F-46352F7A553F}"/>
+                <a16:creationId xmlns:a16="http://schemas.microsoft.com/office/drawing/2014/main" id="{95C33013-A4A4-7625-1D9D-3E863CC3F9AF}"/>
               </a:ext>
             </a:extLst>
           </p:cNvPr>
@@ -642,7 +642,7 @@
           <p:cNvPr id="4" name="日期占位符 3">
             <a:extLst>
               <a:ext uri="{FF2B5EF4-FFF2-40B4-BE49-F238E27FC236}">
-                <a16:creationId xmlns:a16="http://schemas.microsoft.com/office/drawing/2014/main" id="{AEB5395D-4BAD-E59F-07BC-0F680A03667D}"/>
+                <a16:creationId xmlns:a16="http://schemas.microsoft.com/office/drawing/2014/main" id="{055F8EE2-F22A-A7D9-9E6F-56E2AF640E4D}"/>
               </a:ext>
             </a:extLst>
           </p:cNvPr>
@@ -658,7 +658,7 @@
           <a:bodyPr/>
           <a:lstStyle/>
           <a:p>
-            <a:fld id="{F21E512C-2683-4E65-8333-942B9D988B64}" type="datetimeFigureOut">
+            <a:fld id="{2C9C49A0-9CE4-40AE-A767-3B37B2327B39}" type="datetimeFigureOut">
               <a:rPr lang="zh-CN" altLang="en-US" smtClean="0"/>
               <a:t>2024/3/10</a:t>
             </a:fld>
@@ -671,7 +671,7 @@
           <p:cNvPr id="5" name="页脚占位符 4">
             <a:extLst>
               <a:ext uri="{FF2B5EF4-FFF2-40B4-BE49-F238E27FC236}">
-                <a16:creationId xmlns:a16="http://schemas.microsoft.com/office/drawing/2014/main" id="{0E7C37E7-76C2-002B-0C7A-BE9F63616E14}"/>
+                <a16:creationId xmlns:a16="http://schemas.microsoft.com/office/drawing/2014/main" id="{D7AD658B-F2D5-0AB0-EF9F-C5335ABA3794}"/>
               </a:ext>
             </a:extLst>
           </p:cNvPr>
@@ -696,7 +696,7 @@
           <p:cNvPr id="6" name="灯片编号占位符 5">
             <a:extLst>
               <a:ext uri="{FF2B5EF4-FFF2-40B4-BE49-F238E27FC236}">
-                <a16:creationId xmlns:a16="http://schemas.microsoft.com/office/drawing/2014/main" id="{E3713500-5E0B-7F79-A7EC-D8B54A1EBCA2}"/>
+                <a16:creationId xmlns:a16="http://schemas.microsoft.com/office/drawing/2014/main" id="{827E3062-9013-CB8B-E16B-B2D02D777D08}"/>
               </a:ext>
             </a:extLst>
           </p:cNvPr>
@@ -712,7 +712,7 @@
           <a:bodyPr/>
           <a:lstStyle/>
           <a:p>
-            <a:fld id="{51CC3DF0-770B-4404-A86A-8BB7FC11A9DC}" type="slidenum">
+            <a:fld id="{EA943876-0389-4991-BA2A-18AF7B82D6E0}" type="slidenum">
               <a:rPr lang="zh-CN" altLang="en-US" smtClean="0"/>
               <a:t>‹#›</a:t>
             </a:fld>
@@ -723,7 +723,7 @@
     </p:spTree>
     <p:extLst>
       <p:ext uri="{BB962C8B-B14F-4D97-AF65-F5344CB8AC3E}">
-        <p14:creationId xmlns:p14="http://schemas.microsoft.com/office/powerpoint/2010/main" val="1424694480"/>
+        <p14:creationId xmlns:p14="http://schemas.microsoft.com/office/powerpoint/2010/main" val="2566505328"/>
       </p:ext>
     </p:extLst>
   </p:cSld>
@@ -755,7 +755,7 @@
           <p:cNvPr id="2" name="标题 1">
             <a:extLst>
               <a:ext uri="{FF2B5EF4-FFF2-40B4-BE49-F238E27FC236}">
-                <a16:creationId xmlns:a16="http://schemas.microsoft.com/office/drawing/2014/main" id="{8845E32D-EFEA-CD5E-4847-01B472EE69EF}"/>
+                <a16:creationId xmlns:a16="http://schemas.microsoft.com/office/drawing/2014/main" id="{72F297AC-B75E-FB22-F871-F78A80D3F343}"/>
               </a:ext>
             </a:extLst>
           </p:cNvPr>
@@ -783,7 +783,7 @@
           <p:cNvPr id="3" name="内容占位符 2">
             <a:extLst>
               <a:ext uri="{FF2B5EF4-FFF2-40B4-BE49-F238E27FC236}">
-                <a16:creationId xmlns:a16="http://schemas.microsoft.com/office/drawing/2014/main" id="{23D05876-AAD6-2095-423E-E8BB28E3CF6A}"/>
+                <a16:creationId xmlns:a16="http://schemas.microsoft.com/office/drawing/2014/main" id="{BD6D782E-4BBF-9827-4026-B14A29387D99}"/>
               </a:ext>
             </a:extLst>
           </p:cNvPr>
@@ -840,7 +840,7 @@
           <p:cNvPr id="4" name="日期占位符 3">
             <a:extLst>
               <a:ext uri="{FF2B5EF4-FFF2-40B4-BE49-F238E27FC236}">
-                <a16:creationId xmlns:a16="http://schemas.microsoft.com/office/drawing/2014/main" id="{AAFEB4A8-5D05-BD12-1CCC-D613EFC6C5D4}"/>
+                <a16:creationId xmlns:a16="http://schemas.microsoft.com/office/drawing/2014/main" id="{B1B4E7CC-2C9C-5EE8-7031-860E143361C6}"/>
               </a:ext>
             </a:extLst>
           </p:cNvPr>
@@ -856,7 +856,7 @@
           <a:bodyPr/>
           <a:lstStyle/>
           <a:p>
-            <a:fld id="{F21E512C-2683-4E65-8333-942B9D988B64}" type="datetimeFigureOut">
+            <a:fld id="{2C9C49A0-9CE4-40AE-A767-3B37B2327B39}" type="datetimeFigureOut">
               <a:rPr lang="zh-CN" altLang="en-US" smtClean="0"/>
               <a:t>2024/3/10</a:t>
             </a:fld>
@@ -869,7 +869,7 @@
           <p:cNvPr id="5" name="页脚占位符 4">
             <a:extLst>
               <a:ext uri="{FF2B5EF4-FFF2-40B4-BE49-F238E27FC236}">
-                <a16:creationId xmlns:a16="http://schemas.microsoft.com/office/drawing/2014/main" id="{488A2A68-48AC-ACB7-0B8E-9B74396BCB34}"/>
+                <a16:creationId xmlns:a16="http://schemas.microsoft.com/office/drawing/2014/main" id="{60615912-91A8-83CF-EC60-A1693E02032B}"/>
               </a:ext>
             </a:extLst>
           </p:cNvPr>
@@ -894,7 +894,7 @@
           <p:cNvPr id="6" name="灯片编号占位符 5">
             <a:extLst>
               <a:ext uri="{FF2B5EF4-FFF2-40B4-BE49-F238E27FC236}">
-                <a16:creationId xmlns:a16="http://schemas.microsoft.com/office/drawing/2014/main" id="{F0365E55-1AD3-828A-1263-26C524A40642}"/>
+                <a16:creationId xmlns:a16="http://schemas.microsoft.com/office/drawing/2014/main" id="{5A623B5E-9F8E-C6C4-C8AF-7906C47FDFB3}"/>
               </a:ext>
             </a:extLst>
           </p:cNvPr>
@@ -910,7 +910,7 @@
           <a:bodyPr/>
           <a:lstStyle/>
           <a:p>
-            <a:fld id="{51CC3DF0-770B-4404-A86A-8BB7FC11A9DC}" type="slidenum">
+            <a:fld id="{EA943876-0389-4991-BA2A-18AF7B82D6E0}" type="slidenum">
               <a:rPr lang="zh-CN" altLang="en-US" smtClean="0"/>
               <a:t>‹#›</a:t>
             </a:fld>
@@ -921,7 +921,7 @@
     </p:spTree>
     <p:extLst>
       <p:ext uri="{BB962C8B-B14F-4D97-AF65-F5344CB8AC3E}">
-        <p14:creationId xmlns:p14="http://schemas.microsoft.com/office/powerpoint/2010/main" val="200286879"/>
+        <p14:creationId xmlns:p14="http://schemas.microsoft.com/office/powerpoint/2010/main" val="2642718457"/>
       </p:ext>
     </p:extLst>
   </p:cSld>
@@ -953,7 +953,7 @@
           <p:cNvPr id="2" name="标题 1">
             <a:extLst>
               <a:ext uri="{FF2B5EF4-FFF2-40B4-BE49-F238E27FC236}">
-                <a16:creationId xmlns:a16="http://schemas.microsoft.com/office/drawing/2014/main" id="{1215584C-7B8F-84D2-670D-96EE5D204FF5}"/>
+                <a16:creationId xmlns:a16="http://schemas.microsoft.com/office/drawing/2014/main" id="{212532F1-E3BB-B11C-1FF8-E4787B7AAB6C}"/>
               </a:ext>
             </a:extLst>
           </p:cNvPr>
@@ -990,7 +990,7 @@
           <p:cNvPr id="3" name="文本占位符 2">
             <a:extLst>
               <a:ext uri="{FF2B5EF4-FFF2-40B4-BE49-F238E27FC236}">
-                <a16:creationId xmlns:a16="http://schemas.microsoft.com/office/drawing/2014/main" id="{0222018D-9F8C-DFFA-6DBC-7720169D30B0}"/>
+                <a16:creationId xmlns:a16="http://schemas.microsoft.com/office/drawing/2014/main" id="{33D78AB8-F412-9DB1-896F-935778A37647}"/>
               </a:ext>
             </a:extLst>
           </p:cNvPr>
@@ -1115,7 +1115,7 @@
           <p:cNvPr id="4" name="日期占位符 3">
             <a:extLst>
               <a:ext uri="{FF2B5EF4-FFF2-40B4-BE49-F238E27FC236}">
-                <a16:creationId xmlns:a16="http://schemas.microsoft.com/office/drawing/2014/main" id="{5CB02276-0A06-1712-8B39-8F3EBD984A02}"/>
+                <a16:creationId xmlns:a16="http://schemas.microsoft.com/office/drawing/2014/main" id="{C372A302-5FD5-BAFA-8AB2-E7911AC23C62}"/>
               </a:ext>
             </a:extLst>
           </p:cNvPr>
@@ -1131,7 +1131,7 @@
           <a:bodyPr/>
           <a:lstStyle/>
           <a:p>
-            <a:fld id="{F21E512C-2683-4E65-8333-942B9D988B64}" type="datetimeFigureOut">
+            <a:fld id="{2C9C49A0-9CE4-40AE-A767-3B37B2327B39}" type="datetimeFigureOut">
               <a:rPr lang="zh-CN" altLang="en-US" smtClean="0"/>
               <a:t>2024/3/10</a:t>
             </a:fld>
@@ -1144,7 +1144,7 @@
           <p:cNvPr id="5" name="页脚占位符 4">
             <a:extLst>
               <a:ext uri="{FF2B5EF4-FFF2-40B4-BE49-F238E27FC236}">
-                <a16:creationId xmlns:a16="http://schemas.microsoft.com/office/drawing/2014/main" id="{2FD2E430-FEEF-402F-C1CD-2BA1781C5C20}"/>
+                <a16:creationId xmlns:a16="http://schemas.microsoft.com/office/drawing/2014/main" id="{C680D503-D8AA-5E78-0119-B3A52DE0A340}"/>
               </a:ext>
             </a:extLst>
           </p:cNvPr>
@@ -1169,7 +1169,7 @@
           <p:cNvPr id="6" name="灯片编号占位符 5">
             <a:extLst>
               <a:ext uri="{FF2B5EF4-FFF2-40B4-BE49-F238E27FC236}">
-                <a16:creationId xmlns:a16="http://schemas.microsoft.com/office/drawing/2014/main" id="{6B5CA1C4-8BBF-E244-AFB7-D49F81D7DF9C}"/>
+                <a16:creationId xmlns:a16="http://schemas.microsoft.com/office/drawing/2014/main" id="{9A4B8471-FA36-F2DC-7EE1-D4DB47A8711D}"/>
               </a:ext>
             </a:extLst>
           </p:cNvPr>
@@ -1185,7 +1185,7 @@
           <a:bodyPr/>
           <a:lstStyle/>
           <a:p>
-            <a:fld id="{51CC3DF0-770B-4404-A86A-8BB7FC11A9DC}" type="slidenum">
+            <a:fld id="{EA943876-0389-4991-BA2A-18AF7B82D6E0}" type="slidenum">
               <a:rPr lang="zh-CN" altLang="en-US" smtClean="0"/>
               <a:t>‹#›</a:t>
             </a:fld>
@@ -1196,7 +1196,7 @@
     </p:spTree>
     <p:extLst>
       <p:ext uri="{BB962C8B-B14F-4D97-AF65-F5344CB8AC3E}">
-        <p14:creationId xmlns:p14="http://schemas.microsoft.com/office/powerpoint/2010/main" val="810836372"/>
+        <p14:creationId xmlns:p14="http://schemas.microsoft.com/office/powerpoint/2010/main" val="3126245426"/>
       </p:ext>
     </p:extLst>
   </p:cSld>
@@ -1228,7 +1228,7 @@
           <p:cNvPr id="2" name="标题 1">
             <a:extLst>
               <a:ext uri="{FF2B5EF4-FFF2-40B4-BE49-F238E27FC236}">
-                <a16:creationId xmlns:a16="http://schemas.microsoft.com/office/drawing/2014/main" id="{8158587F-ACE2-FE85-130C-A6C410A311DF}"/>
+                <a16:creationId xmlns:a16="http://schemas.microsoft.com/office/drawing/2014/main" id="{CD4D33CB-38A0-056C-1B28-4714AC53502F}"/>
               </a:ext>
             </a:extLst>
           </p:cNvPr>
@@ -1256,7 +1256,7 @@
           <p:cNvPr id="3" name="内容占位符 2">
             <a:extLst>
               <a:ext uri="{FF2B5EF4-FFF2-40B4-BE49-F238E27FC236}">
-                <a16:creationId xmlns:a16="http://schemas.microsoft.com/office/drawing/2014/main" id="{775C0D92-6DC5-D28F-BD1F-68B753E4114C}"/>
+                <a16:creationId xmlns:a16="http://schemas.microsoft.com/office/drawing/2014/main" id="{1BD4BDE9-0315-E7E9-74F8-22BB6142D0AE}"/>
               </a:ext>
             </a:extLst>
           </p:cNvPr>
@@ -1318,7 +1318,7 @@
           <p:cNvPr id="4" name="内容占位符 3">
             <a:extLst>
               <a:ext uri="{FF2B5EF4-FFF2-40B4-BE49-F238E27FC236}">
-                <a16:creationId xmlns:a16="http://schemas.microsoft.com/office/drawing/2014/main" id="{30F9DB0A-4553-3905-2165-81FA80F003EA}"/>
+                <a16:creationId xmlns:a16="http://schemas.microsoft.com/office/drawing/2014/main" id="{CF467E41-AB13-9EF5-4C66-0D710ED3D0A3}"/>
               </a:ext>
             </a:extLst>
           </p:cNvPr>
@@ -1380,7 +1380,7 @@
           <p:cNvPr id="5" name="日期占位符 4">
             <a:extLst>
               <a:ext uri="{FF2B5EF4-FFF2-40B4-BE49-F238E27FC236}">
-                <a16:creationId xmlns:a16="http://schemas.microsoft.com/office/drawing/2014/main" id="{BC3B8948-16FF-D74A-B01C-2AE2907EBCC1}"/>
+                <a16:creationId xmlns:a16="http://schemas.microsoft.com/office/drawing/2014/main" id="{0FE456F8-F177-9F61-9A05-A733D6B20254}"/>
               </a:ext>
             </a:extLst>
           </p:cNvPr>
@@ -1396,7 +1396,7 @@
           <a:bodyPr/>
           <a:lstStyle/>
           <a:p>
-            <a:fld id="{F21E512C-2683-4E65-8333-942B9D988B64}" type="datetimeFigureOut">
+            <a:fld id="{2C9C49A0-9CE4-40AE-A767-3B37B2327B39}" type="datetimeFigureOut">
               <a:rPr lang="zh-CN" altLang="en-US" smtClean="0"/>
               <a:t>2024/3/10</a:t>
             </a:fld>
@@ -1409,7 +1409,7 @@
           <p:cNvPr id="6" name="页脚占位符 5">
             <a:extLst>
               <a:ext uri="{FF2B5EF4-FFF2-40B4-BE49-F238E27FC236}">
-                <a16:creationId xmlns:a16="http://schemas.microsoft.com/office/drawing/2014/main" id="{93324857-D9B4-5E4D-25D9-76F2A2471D00}"/>
+                <a16:creationId xmlns:a16="http://schemas.microsoft.com/office/drawing/2014/main" id="{308772FE-2CC5-2434-B80E-390EDCCDECA7}"/>
               </a:ext>
             </a:extLst>
           </p:cNvPr>
@@ -1434,7 +1434,7 @@
           <p:cNvPr id="7" name="灯片编号占位符 6">
             <a:extLst>
               <a:ext uri="{FF2B5EF4-FFF2-40B4-BE49-F238E27FC236}">
-                <a16:creationId xmlns:a16="http://schemas.microsoft.com/office/drawing/2014/main" id="{DB214B0C-83C4-C414-6AA4-486C794FA8C3}"/>
+                <a16:creationId xmlns:a16="http://schemas.microsoft.com/office/drawing/2014/main" id="{F2FB07B0-8EA8-145E-A5C4-CDA81711868D}"/>
               </a:ext>
             </a:extLst>
           </p:cNvPr>
@@ -1450,7 +1450,7 @@
           <a:bodyPr/>
           <a:lstStyle/>
           <a:p>
-            <a:fld id="{51CC3DF0-770B-4404-A86A-8BB7FC11A9DC}" type="slidenum">
+            <a:fld id="{EA943876-0389-4991-BA2A-18AF7B82D6E0}" type="slidenum">
               <a:rPr lang="zh-CN" altLang="en-US" smtClean="0"/>
               <a:t>‹#›</a:t>
             </a:fld>
@@ -1461,7 +1461,7 @@
     </p:spTree>
     <p:extLst>
       <p:ext uri="{BB962C8B-B14F-4D97-AF65-F5344CB8AC3E}">
-        <p14:creationId xmlns:p14="http://schemas.microsoft.com/office/powerpoint/2010/main" val="380546047"/>
+        <p14:creationId xmlns:p14="http://schemas.microsoft.com/office/powerpoint/2010/main" val="3146832002"/>
       </p:ext>
     </p:extLst>
   </p:cSld>
@@ -1493,7 +1493,7 @@
           <p:cNvPr id="2" name="标题 1">
             <a:extLst>
               <a:ext uri="{FF2B5EF4-FFF2-40B4-BE49-F238E27FC236}">
-                <a16:creationId xmlns:a16="http://schemas.microsoft.com/office/drawing/2014/main" id="{2A4E4E4F-2BC2-F4D6-735D-F02D97E2F997}"/>
+                <a16:creationId xmlns:a16="http://schemas.microsoft.com/office/drawing/2014/main" id="{EAE20340-7AE6-A852-FCBE-BA1048431032}"/>
               </a:ext>
             </a:extLst>
           </p:cNvPr>
@@ -1526,7 +1526,7 @@
           <p:cNvPr id="3" name="文本占位符 2">
             <a:extLst>
               <a:ext uri="{FF2B5EF4-FFF2-40B4-BE49-F238E27FC236}">
-                <a16:creationId xmlns:a16="http://schemas.microsoft.com/office/drawing/2014/main" id="{E04412F1-A75D-3B5E-7496-DE41B35AF3C3}"/>
+                <a16:creationId xmlns:a16="http://schemas.microsoft.com/office/drawing/2014/main" id="{0A51C8C7-78D3-9E48-746D-DB1AA7D2018A}"/>
               </a:ext>
             </a:extLst>
           </p:cNvPr>
@@ -1597,7 +1597,7 @@
           <p:cNvPr id="4" name="内容占位符 3">
             <a:extLst>
               <a:ext uri="{FF2B5EF4-FFF2-40B4-BE49-F238E27FC236}">
-                <a16:creationId xmlns:a16="http://schemas.microsoft.com/office/drawing/2014/main" id="{636040BC-F9C0-D7AA-CD8C-AB8258AC785F}"/>
+                <a16:creationId xmlns:a16="http://schemas.microsoft.com/office/drawing/2014/main" id="{B709AF43-AE45-51FD-4A25-95F554836D2F}"/>
               </a:ext>
             </a:extLst>
           </p:cNvPr>
@@ -1659,7 +1659,7 @@
           <p:cNvPr id="5" name="文本占位符 4">
             <a:extLst>
               <a:ext uri="{FF2B5EF4-FFF2-40B4-BE49-F238E27FC236}">
-                <a16:creationId xmlns:a16="http://schemas.microsoft.com/office/drawing/2014/main" id="{6946F1A8-F3D8-9051-605C-A0E98BED9BE5}"/>
+                <a16:creationId xmlns:a16="http://schemas.microsoft.com/office/drawing/2014/main" id="{AE125F91-AF6F-993E-31C1-44124055E3F4}"/>
               </a:ext>
             </a:extLst>
           </p:cNvPr>
@@ -1730,7 +1730,7 @@
           <p:cNvPr id="6" name="内容占位符 5">
             <a:extLst>
               <a:ext uri="{FF2B5EF4-FFF2-40B4-BE49-F238E27FC236}">
-                <a16:creationId xmlns:a16="http://schemas.microsoft.com/office/drawing/2014/main" id="{00A3E49D-03E4-6415-E23C-9BE89C637A28}"/>
+                <a16:creationId xmlns:a16="http://schemas.microsoft.com/office/drawing/2014/main" id="{98D5CF06-961C-D5B8-A936-2AEE927428F6}"/>
               </a:ext>
             </a:extLst>
           </p:cNvPr>
@@ -1792,7 +1792,7 @@
           <p:cNvPr id="7" name="日期占位符 6">
             <a:extLst>
               <a:ext uri="{FF2B5EF4-FFF2-40B4-BE49-F238E27FC236}">
-                <a16:creationId xmlns:a16="http://schemas.microsoft.com/office/drawing/2014/main" id="{1B4252B7-4F14-1C68-62DE-FE074ED7974A}"/>
+                <a16:creationId xmlns:a16="http://schemas.microsoft.com/office/drawing/2014/main" id="{7EA780C2-D907-C821-8514-74D5233739EB}"/>
               </a:ext>
             </a:extLst>
           </p:cNvPr>
@@ -1808,7 +1808,7 @@
           <a:bodyPr/>
           <a:lstStyle/>
           <a:p>
-            <a:fld id="{F21E512C-2683-4E65-8333-942B9D988B64}" type="datetimeFigureOut">
+            <a:fld id="{2C9C49A0-9CE4-40AE-A767-3B37B2327B39}" type="datetimeFigureOut">
               <a:rPr lang="zh-CN" altLang="en-US" smtClean="0"/>
               <a:t>2024/3/10</a:t>
             </a:fld>
@@ -1821,7 +1821,7 @@
           <p:cNvPr id="8" name="页脚占位符 7">
             <a:extLst>
               <a:ext uri="{FF2B5EF4-FFF2-40B4-BE49-F238E27FC236}">
-                <a16:creationId xmlns:a16="http://schemas.microsoft.com/office/drawing/2014/main" id="{DC7377C7-0912-6E46-1D52-E9CA0CF8EB58}"/>
+                <a16:creationId xmlns:a16="http://schemas.microsoft.com/office/drawing/2014/main" id="{EDBC0A52-3C3D-3925-3218-049DF756F2ED}"/>
               </a:ext>
             </a:extLst>
           </p:cNvPr>
@@ -1846,7 +1846,7 @@
           <p:cNvPr id="9" name="灯片编号占位符 8">
             <a:extLst>
               <a:ext uri="{FF2B5EF4-FFF2-40B4-BE49-F238E27FC236}">
-                <a16:creationId xmlns:a16="http://schemas.microsoft.com/office/drawing/2014/main" id="{E699249C-6788-3DDA-C031-129722631FE2}"/>
+                <a16:creationId xmlns:a16="http://schemas.microsoft.com/office/drawing/2014/main" id="{4B919100-E41E-7E13-1695-AB048226A610}"/>
               </a:ext>
             </a:extLst>
           </p:cNvPr>
@@ -1862,7 +1862,7 @@
           <a:bodyPr/>
           <a:lstStyle/>
           <a:p>
-            <a:fld id="{51CC3DF0-770B-4404-A86A-8BB7FC11A9DC}" type="slidenum">
+            <a:fld id="{EA943876-0389-4991-BA2A-18AF7B82D6E0}" type="slidenum">
               <a:rPr lang="zh-CN" altLang="en-US" smtClean="0"/>
               <a:t>‹#›</a:t>
             </a:fld>
@@ -1873,7 +1873,7 @@
     </p:spTree>
     <p:extLst>
       <p:ext uri="{BB962C8B-B14F-4D97-AF65-F5344CB8AC3E}">
-        <p14:creationId xmlns:p14="http://schemas.microsoft.com/office/powerpoint/2010/main" val="2256631334"/>
+        <p14:creationId xmlns:p14="http://schemas.microsoft.com/office/powerpoint/2010/main" val="261053824"/>
       </p:ext>
     </p:extLst>
   </p:cSld>
@@ -1905,7 +1905,7 @@
           <p:cNvPr id="2" name="标题 1">
             <a:extLst>
               <a:ext uri="{FF2B5EF4-FFF2-40B4-BE49-F238E27FC236}">
-                <a16:creationId xmlns:a16="http://schemas.microsoft.com/office/drawing/2014/main" id="{844E4468-C198-293C-99CB-23B6F68D43BC}"/>
+                <a16:creationId xmlns:a16="http://schemas.microsoft.com/office/drawing/2014/main" id="{BF506E9B-E7CD-8385-A169-E413445283C6}"/>
               </a:ext>
             </a:extLst>
           </p:cNvPr>
@@ -1933,7 +1933,7 @@
           <p:cNvPr id="3" name="日期占位符 2">
             <a:extLst>
               <a:ext uri="{FF2B5EF4-FFF2-40B4-BE49-F238E27FC236}">
-                <a16:creationId xmlns:a16="http://schemas.microsoft.com/office/drawing/2014/main" id="{81F56F23-52EE-73BB-7096-EE24DD309D5B}"/>
+                <a16:creationId xmlns:a16="http://schemas.microsoft.com/office/drawing/2014/main" id="{97B24D55-4274-A434-5D13-8A330404986C}"/>
               </a:ext>
             </a:extLst>
           </p:cNvPr>
@@ -1949,7 +1949,7 @@
           <a:bodyPr/>
           <a:lstStyle/>
           <a:p>
-            <a:fld id="{F21E512C-2683-4E65-8333-942B9D988B64}" type="datetimeFigureOut">
+            <a:fld id="{2C9C49A0-9CE4-40AE-A767-3B37B2327B39}" type="datetimeFigureOut">
               <a:rPr lang="zh-CN" altLang="en-US" smtClean="0"/>
               <a:t>2024/3/10</a:t>
             </a:fld>
@@ -1962,7 +1962,7 @@
           <p:cNvPr id="4" name="页脚占位符 3">
             <a:extLst>
               <a:ext uri="{FF2B5EF4-FFF2-40B4-BE49-F238E27FC236}">
-                <a16:creationId xmlns:a16="http://schemas.microsoft.com/office/drawing/2014/main" id="{1C8A8919-ABA2-89D0-5824-430F247C8DE6}"/>
+                <a16:creationId xmlns:a16="http://schemas.microsoft.com/office/drawing/2014/main" id="{1928A339-3937-ECA0-2BC9-0B9916E40C24}"/>
               </a:ext>
             </a:extLst>
           </p:cNvPr>
@@ -1987,7 +1987,7 @@
           <p:cNvPr id="5" name="灯片编号占位符 4">
             <a:extLst>
               <a:ext uri="{FF2B5EF4-FFF2-40B4-BE49-F238E27FC236}">
-                <a16:creationId xmlns:a16="http://schemas.microsoft.com/office/drawing/2014/main" id="{D55B6048-BDE1-8C4E-7567-7517851B5D63}"/>
+                <a16:creationId xmlns:a16="http://schemas.microsoft.com/office/drawing/2014/main" id="{99BD6669-31D1-1006-03D9-3AAED4F7AFEF}"/>
               </a:ext>
             </a:extLst>
           </p:cNvPr>
@@ -2003,7 +2003,7 @@
           <a:bodyPr/>
           <a:lstStyle/>
           <a:p>
-            <a:fld id="{51CC3DF0-770B-4404-A86A-8BB7FC11A9DC}" type="slidenum">
+            <a:fld id="{EA943876-0389-4991-BA2A-18AF7B82D6E0}" type="slidenum">
               <a:rPr lang="zh-CN" altLang="en-US" smtClean="0"/>
               <a:t>‹#›</a:t>
             </a:fld>
@@ -2014,7 +2014,7 @@
     </p:spTree>
     <p:extLst>
       <p:ext uri="{BB962C8B-B14F-4D97-AF65-F5344CB8AC3E}">
-        <p14:creationId xmlns:p14="http://schemas.microsoft.com/office/powerpoint/2010/main" val="3434860499"/>
+        <p14:creationId xmlns:p14="http://schemas.microsoft.com/office/powerpoint/2010/main" val="535322517"/>
       </p:ext>
     </p:extLst>
   </p:cSld>
@@ -2046,7 +2046,7 @@
           <p:cNvPr id="2" name="日期占位符 1">
             <a:extLst>
               <a:ext uri="{FF2B5EF4-FFF2-40B4-BE49-F238E27FC236}">
-                <a16:creationId xmlns:a16="http://schemas.microsoft.com/office/drawing/2014/main" id="{96B3CB3B-E647-4BEC-10C9-9CC72ABDAA54}"/>
+                <a16:creationId xmlns:a16="http://schemas.microsoft.com/office/drawing/2014/main" id="{FA2FDCDA-5EDD-D0FD-ACCE-F3329E4DB7C6}"/>
               </a:ext>
             </a:extLst>
           </p:cNvPr>
@@ -2062,7 +2062,7 @@
           <a:bodyPr/>
           <a:lstStyle/>
           <a:p>
-            <a:fld id="{F21E512C-2683-4E65-8333-942B9D988B64}" type="datetimeFigureOut">
+            <a:fld id="{2C9C49A0-9CE4-40AE-A767-3B37B2327B39}" type="datetimeFigureOut">
               <a:rPr lang="zh-CN" altLang="en-US" smtClean="0"/>
               <a:t>2024/3/10</a:t>
             </a:fld>
@@ -2075,7 +2075,7 @@
           <p:cNvPr id="3" name="页脚占位符 2">
             <a:extLst>
               <a:ext uri="{FF2B5EF4-FFF2-40B4-BE49-F238E27FC236}">
-                <a16:creationId xmlns:a16="http://schemas.microsoft.com/office/drawing/2014/main" id="{9308FE1E-B18D-CB66-E0B8-2028F95C16F4}"/>
+                <a16:creationId xmlns:a16="http://schemas.microsoft.com/office/drawing/2014/main" id="{14EE12AE-FA53-2935-D3DE-C60426591B0B}"/>
               </a:ext>
             </a:extLst>
           </p:cNvPr>
@@ -2100,7 +2100,7 @@
           <p:cNvPr id="4" name="灯片编号占位符 3">
             <a:extLst>
               <a:ext uri="{FF2B5EF4-FFF2-40B4-BE49-F238E27FC236}">
-                <a16:creationId xmlns:a16="http://schemas.microsoft.com/office/drawing/2014/main" id="{515FFFFE-85C4-0966-6473-A704997FA932}"/>
+                <a16:creationId xmlns:a16="http://schemas.microsoft.com/office/drawing/2014/main" id="{335E4AF5-5B39-ADB0-E2EA-0143786EB120}"/>
               </a:ext>
             </a:extLst>
           </p:cNvPr>
@@ -2116,7 +2116,7 @@
           <a:bodyPr/>
           <a:lstStyle/>
           <a:p>
-            <a:fld id="{51CC3DF0-770B-4404-A86A-8BB7FC11A9DC}" type="slidenum">
+            <a:fld id="{EA943876-0389-4991-BA2A-18AF7B82D6E0}" type="slidenum">
               <a:rPr lang="zh-CN" altLang="en-US" smtClean="0"/>
               <a:t>‹#›</a:t>
             </a:fld>
@@ -2127,7 +2127,7 @@
     </p:spTree>
     <p:extLst>
       <p:ext uri="{BB962C8B-B14F-4D97-AF65-F5344CB8AC3E}">
-        <p14:creationId xmlns:p14="http://schemas.microsoft.com/office/powerpoint/2010/main" val="2952055580"/>
+        <p14:creationId xmlns:p14="http://schemas.microsoft.com/office/powerpoint/2010/main" val="1956058642"/>
       </p:ext>
     </p:extLst>
   </p:cSld>
@@ -2159,7 +2159,7 @@
           <p:cNvPr id="2" name="标题 1">
             <a:extLst>
               <a:ext uri="{FF2B5EF4-FFF2-40B4-BE49-F238E27FC236}">
-                <a16:creationId xmlns:a16="http://schemas.microsoft.com/office/drawing/2014/main" id="{26213B0D-21A7-AA70-13AF-B87C4AE59F33}"/>
+                <a16:creationId xmlns:a16="http://schemas.microsoft.com/office/drawing/2014/main" id="{3C027469-DCD4-2BB5-C755-770E50B35E56}"/>
               </a:ext>
             </a:extLst>
           </p:cNvPr>
@@ -2196,7 +2196,7 @@
           <p:cNvPr id="3" name="内容占位符 2">
             <a:extLst>
               <a:ext uri="{FF2B5EF4-FFF2-40B4-BE49-F238E27FC236}">
-                <a16:creationId xmlns:a16="http://schemas.microsoft.com/office/drawing/2014/main" id="{5C334722-CF61-04CC-0B44-1AC2DE08EA48}"/>
+                <a16:creationId xmlns:a16="http://schemas.microsoft.com/office/drawing/2014/main" id="{9B0DD1D2-0971-834D-78F0-DC7918F36D88}"/>
               </a:ext>
             </a:extLst>
           </p:cNvPr>
@@ -2286,7 +2286,7 @@
           <p:cNvPr id="4" name="文本占位符 3">
             <a:extLst>
               <a:ext uri="{FF2B5EF4-FFF2-40B4-BE49-F238E27FC236}">
-                <a16:creationId xmlns:a16="http://schemas.microsoft.com/office/drawing/2014/main" id="{5CDD09E1-EAD5-9E58-64D6-B03437806914}"/>
+                <a16:creationId xmlns:a16="http://schemas.microsoft.com/office/drawing/2014/main" id="{7EA410E0-33E3-7175-5B73-79D5E144C267}"/>
               </a:ext>
             </a:extLst>
           </p:cNvPr>
@@ -2357,7 +2357,7 @@
           <p:cNvPr id="5" name="日期占位符 4">
             <a:extLst>
               <a:ext uri="{FF2B5EF4-FFF2-40B4-BE49-F238E27FC236}">
-                <a16:creationId xmlns:a16="http://schemas.microsoft.com/office/drawing/2014/main" id="{1E1DC776-767C-FEE1-C409-B0F065E050F0}"/>
+                <a16:creationId xmlns:a16="http://schemas.microsoft.com/office/drawing/2014/main" id="{58FA7206-7A8B-AA52-62F3-84622E454460}"/>
               </a:ext>
             </a:extLst>
           </p:cNvPr>
@@ -2373,7 +2373,7 @@
           <a:bodyPr/>
           <a:lstStyle/>
           <a:p>
-            <a:fld id="{F21E512C-2683-4E65-8333-942B9D988B64}" type="datetimeFigureOut">
+            <a:fld id="{2C9C49A0-9CE4-40AE-A767-3B37B2327B39}" type="datetimeFigureOut">
               <a:rPr lang="zh-CN" altLang="en-US" smtClean="0"/>
               <a:t>2024/3/10</a:t>
             </a:fld>
@@ -2386,7 +2386,7 @@
           <p:cNvPr id="6" name="页脚占位符 5">
             <a:extLst>
               <a:ext uri="{FF2B5EF4-FFF2-40B4-BE49-F238E27FC236}">
-                <a16:creationId xmlns:a16="http://schemas.microsoft.com/office/drawing/2014/main" id="{29BDAD36-9C4B-1A93-CF05-47A44B678F80}"/>
+                <a16:creationId xmlns:a16="http://schemas.microsoft.com/office/drawing/2014/main" id="{89C6FC77-7264-6003-7132-C89C72D78DD1}"/>
               </a:ext>
             </a:extLst>
           </p:cNvPr>
@@ -2411,7 +2411,7 @@
           <p:cNvPr id="7" name="灯片编号占位符 6">
             <a:extLst>
               <a:ext uri="{FF2B5EF4-FFF2-40B4-BE49-F238E27FC236}">
-                <a16:creationId xmlns:a16="http://schemas.microsoft.com/office/drawing/2014/main" id="{45E7BEEA-565B-2020-4A1B-9C6D12CAE1DA}"/>
+                <a16:creationId xmlns:a16="http://schemas.microsoft.com/office/drawing/2014/main" id="{9D17511B-021A-F3D0-F429-2337629F4FD8}"/>
               </a:ext>
             </a:extLst>
           </p:cNvPr>
@@ -2427,7 +2427,7 @@
           <a:bodyPr/>
           <a:lstStyle/>
           <a:p>
-            <a:fld id="{51CC3DF0-770B-4404-A86A-8BB7FC11A9DC}" type="slidenum">
+            <a:fld id="{EA943876-0389-4991-BA2A-18AF7B82D6E0}" type="slidenum">
               <a:rPr lang="zh-CN" altLang="en-US" smtClean="0"/>
               <a:t>‹#›</a:t>
             </a:fld>
@@ -2438,7 +2438,7 @@
     </p:spTree>
     <p:extLst>
       <p:ext uri="{BB962C8B-B14F-4D97-AF65-F5344CB8AC3E}">
-        <p14:creationId xmlns:p14="http://schemas.microsoft.com/office/powerpoint/2010/main" val="153186751"/>
+        <p14:creationId xmlns:p14="http://schemas.microsoft.com/office/powerpoint/2010/main" val="3378399444"/>
       </p:ext>
     </p:extLst>
   </p:cSld>
@@ -2470,7 +2470,7 @@
           <p:cNvPr id="2" name="标题 1">
             <a:extLst>
               <a:ext uri="{FF2B5EF4-FFF2-40B4-BE49-F238E27FC236}">
-                <a16:creationId xmlns:a16="http://schemas.microsoft.com/office/drawing/2014/main" id="{37785EC3-F997-B508-CDD8-90998F2FC95C}"/>
+                <a16:creationId xmlns:a16="http://schemas.microsoft.com/office/drawing/2014/main" id="{B4CCB595-6534-021F-2AE7-4AD8B769E083}"/>
               </a:ext>
             </a:extLst>
           </p:cNvPr>
@@ -2507,7 +2507,7 @@
           <p:cNvPr id="3" name="图片占位符 2">
             <a:extLst>
               <a:ext uri="{FF2B5EF4-FFF2-40B4-BE49-F238E27FC236}">
-                <a16:creationId xmlns:a16="http://schemas.microsoft.com/office/drawing/2014/main" id="{794DBC08-EE01-899A-A0A6-3B151FDD4AD5}"/>
+                <a16:creationId xmlns:a16="http://schemas.microsoft.com/office/drawing/2014/main" id="{736F07B2-3539-4811-FCD8-CD8789F68750}"/>
               </a:ext>
             </a:extLst>
           </p:cNvPr>
@@ -2574,7 +2574,7 @@
           <p:cNvPr id="4" name="文本占位符 3">
             <a:extLst>
               <a:ext uri="{FF2B5EF4-FFF2-40B4-BE49-F238E27FC236}">
-                <a16:creationId xmlns:a16="http://schemas.microsoft.com/office/drawing/2014/main" id="{88B11271-6D32-C8FD-0E2D-5FE332FA4D64}"/>
+                <a16:creationId xmlns:a16="http://schemas.microsoft.com/office/drawing/2014/main" id="{511E09E8-2E3B-1493-14E4-9D3C126F007E}"/>
               </a:ext>
             </a:extLst>
           </p:cNvPr>
@@ -2645,7 +2645,7 @@
           <p:cNvPr id="5" name="日期占位符 4">
             <a:extLst>
               <a:ext uri="{FF2B5EF4-FFF2-40B4-BE49-F238E27FC236}">
-                <a16:creationId xmlns:a16="http://schemas.microsoft.com/office/drawing/2014/main" id="{999DEC95-5BCC-3277-756A-4CBCF0BAE883}"/>
+                <a16:creationId xmlns:a16="http://schemas.microsoft.com/office/drawing/2014/main" id="{B60CCCA2-78D0-1E7F-CF77-476736FEAA0F}"/>
               </a:ext>
             </a:extLst>
           </p:cNvPr>
@@ -2661,7 +2661,7 @@
           <a:bodyPr/>
           <a:lstStyle/>
           <a:p>
-            <a:fld id="{F21E512C-2683-4E65-8333-942B9D988B64}" type="datetimeFigureOut">
+            <a:fld id="{2C9C49A0-9CE4-40AE-A767-3B37B2327B39}" type="datetimeFigureOut">
               <a:rPr lang="zh-CN" altLang="en-US" smtClean="0"/>
               <a:t>2024/3/10</a:t>
             </a:fld>
@@ -2674,7 +2674,7 @@
           <p:cNvPr id="6" name="页脚占位符 5">
             <a:extLst>
               <a:ext uri="{FF2B5EF4-FFF2-40B4-BE49-F238E27FC236}">
-                <a16:creationId xmlns:a16="http://schemas.microsoft.com/office/drawing/2014/main" id="{A52ACBC4-8A97-F4DC-45FB-E73A6ECA1541}"/>
+                <a16:creationId xmlns:a16="http://schemas.microsoft.com/office/drawing/2014/main" id="{92F525C9-8273-5E7D-ED6B-CA617CF700AB}"/>
               </a:ext>
             </a:extLst>
           </p:cNvPr>
@@ -2699,7 +2699,7 @@
           <p:cNvPr id="7" name="灯片编号占位符 6">
             <a:extLst>
               <a:ext uri="{FF2B5EF4-FFF2-40B4-BE49-F238E27FC236}">
-                <a16:creationId xmlns:a16="http://schemas.microsoft.com/office/drawing/2014/main" id="{74929CF5-DA77-6B1B-AA66-97AB201979FE}"/>
+                <a16:creationId xmlns:a16="http://schemas.microsoft.com/office/drawing/2014/main" id="{867BB692-A05D-195A-0621-0750ED2D452C}"/>
               </a:ext>
             </a:extLst>
           </p:cNvPr>
@@ -2715,7 +2715,7 @@
           <a:bodyPr/>
           <a:lstStyle/>
           <a:p>
-            <a:fld id="{51CC3DF0-770B-4404-A86A-8BB7FC11A9DC}" type="slidenum">
+            <a:fld id="{EA943876-0389-4991-BA2A-18AF7B82D6E0}" type="slidenum">
               <a:rPr lang="zh-CN" altLang="en-US" smtClean="0"/>
               <a:t>‹#›</a:t>
             </a:fld>
@@ -2726,7 +2726,7 @@
     </p:spTree>
     <p:extLst>
       <p:ext uri="{BB962C8B-B14F-4D97-AF65-F5344CB8AC3E}">
-        <p14:creationId xmlns:p14="http://schemas.microsoft.com/office/powerpoint/2010/main" val="1413021125"/>
+        <p14:creationId xmlns:p14="http://schemas.microsoft.com/office/powerpoint/2010/main" val="2706723854"/>
       </p:ext>
     </p:extLst>
   </p:cSld>
@@ -2763,7 +2763,7 @@
           <p:cNvPr id="2" name="标题占位符 1">
             <a:extLst>
               <a:ext uri="{FF2B5EF4-FFF2-40B4-BE49-F238E27FC236}">
-                <a16:creationId xmlns:a16="http://schemas.microsoft.com/office/drawing/2014/main" id="{2B802830-2B39-F74F-AA9F-8F2D30040E8B}"/>
+                <a16:creationId xmlns:a16="http://schemas.microsoft.com/office/drawing/2014/main" id="{7156F283-3BA5-BF1F-C9AB-14F3DB636A4C}"/>
               </a:ext>
             </a:extLst>
           </p:cNvPr>
@@ -2801,7 +2801,7 @@
           <p:cNvPr id="3" name="文本占位符 2">
             <a:extLst>
               <a:ext uri="{FF2B5EF4-FFF2-40B4-BE49-F238E27FC236}">
-                <a16:creationId xmlns:a16="http://schemas.microsoft.com/office/drawing/2014/main" id="{B5CA9AB4-A565-5001-6EF9-6ACF9960D1C3}"/>
+                <a16:creationId xmlns:a16="http://schemas.microsoft.com/office/drawing/2014/main" id="{D78AEAF8-4092-FD53-F117-C84239DB1EA3}"/>
               </a:ext>
             </a:extLst>
           </p:cNvPr>
@@ -2868,7 +2868,7 @@
           <p:cNvPr id="4" name="日期占位符 3">
             <a:extLst>
               <a:ext uri="{FF2B5EF4-FFF2-40B4-BE49-F238E27FC236}">
-                <a16:creationId xmlns:a16="http://schemas.microsoft.com/office/drawing/2014/main" id="{0732502C-C30C-7C12-84DB-02EF345AB6B3}"/>
+                <a16:creationId xmlns:a16="http://schemas.microsoft.com/office/drawing/2014/main" id="{1D57FD0C-22B3-F985-3852-2A103CC003F1}"/>
               </a:ext>
             </a:extLst>
           </p:cNvPr>
@@ -2902,7 +2902,7 @@
             </a:lvl1pPr>
           </a:lstStyle>
           <a:p>
-            <a:fld id="{F21E512C-2683-4E65-8333-942B9D988B64}" type="datetimeFigureOut">
+            <a:fld id="{2C9C49A0-9CE4-40AE-A767-3B37B2327B39}" type="datetimeFigureOut">
               <a:rPr lang="zh-CN" altLang="en-US" smtClean="0"/>
               <a:t>2024/3/10</a:t>
             </a:fld>
@@ -2915,7 +2915,7 @@
           <p:cNvPr id="5" name="页脚占位符 4">
             <a:extLst>
               <a:ext uri="{FF2B5EF4-FFF2-40B4-BE49-F238E27FC236}">
-                <a16:creationId xmlns:a16="http://schemas.microsoft.com/office/drawing/2014/main" id="{20220A81-0183-DBF8-C911-499CB47A68C0}"/>
+                <a16:creationId xmlns:a16="http://schemas.microsoft.com/office/drawing/2014/main" id="{F0DC6CFF-C1EA-6FB4-4D5E-CA037C8F8282}"/>
               </a:ext>
             </a:extLst>
           </p:cNvPr>
@@ -2958,7 +2958,7 @@
           <p:cNvPr id="6" name="灯片编号占位符 5">
             <a:extLst>
               <a:ext uri="{FF2B5EF4-FFF2-40B4-BE49-F238E27FC236}">
-                <a16:creationId xmlns:a16="http://schemas.microsoft.com/office/drawing/2014/main" id="{2CF60E40-1E07-3354-72BC-069A176DE371}"/>
+                <a16:creationId xmlns:a16="http://schemas.microsoft.com/office/drawing/2014/main" id="{B3F5E06B-A532-3DD9-D166-FF55EB2432AD}"/>
               </a:ext>
             </a:extLst>
           </p:cNvPr>
@@ -2992,7 +2992,7 @@
             </a:lvl1pPr>
           </a:lstStyle>
           <a:p>
-            <a:fld id="{51CC3DF0-770B-4404-A86A-8BB7FC11A9DC}" type="slidenum">
+            <a:fld id="{EA943876-0389-4991-BA2A-18AF7B82D6E0}" type="slidenum">
               <a:rPr lang="zh-CN" altLang="en-US" smtClean="0"/>
               <a:t>‹#›</a:t>
             </a:fld>
@@ -3003,7 +3003,7 @@
     </p:spTree>
     <p:extLst>
       <p:ext uri="{BB962C8B-B14F-4D97-AF65-F5344CB8AC3E}">
-        <p14:creationId xmlns:p14="http://schemas.microsoft.com/office/powerpoint/2010/main" val="1227780166"/>
+        <p14:creationId xmlns:p14="http://schemas.microsoft.com/office/powerpoint/2010/main" val="1516682118"/>
       </p:ext>
     </p:extLst>
   </p:cSld>
@@ -3323,7 +3323,7 @@
       </p:grpSpPr>
       <p:pic>
         <p:nvPicPr>
-          <p:cNvPr id="1181698" name="Picture 2" descr="1153"/>
+          <p:cNvPr id="1182722" name="Picture 2" descr="1154"/>
           <p:cNvPicPr>
             <a:picLocks noChangeAspect="1" noChangeArrowheads="1"/>
           </p:cNvPicPr>
@@ -3344,8 +3344,8 @@
         </p:blipFill>
         <p:spPr bwMode="auto">
           <a:xfrm>
-            <a:off x="1524000" y="1"/>
-            <a:ext cx="9124950" cy="6843713"/>
+            <a:off x="1524000" y="0"/>
+            <a:ext cx="9144000" cy="6858000"/>
           </a:xfrm>
           <a:prstGeom prst="rect">
             <a:avLst/>
@@ -3375,158 +3375,11 @@
           </a:extLst>
         </p:spPr>
       </p:pic>
-      <p:pic>
-        <p:nvPicPr>
-          <p:cNvPr id="1182723" name="Picture 3" descr="1153-2"/>
-          <p:cNvPicPr>
-            <a:picLocks noChangeAspect="1" noChangeArrowheads="1"/>
-          </p:cNvPicPr>
-          <p:nvPr/>
-        </p:nvPicPr>
-        <p:blipFill>
-          <a:blip r:embed="rId3">
-            <a:extLst>
-              <a:ext uri="{28A0092B-C50C-407E-A947-70E740481C1C}">
-                <a14:useLocalDpi xmlns:a14="http://schemas.microsoft.com/office/drawing/2010/main" val="0"/>
-              </a:ext>
-            </a:extLst>
-          </a:blip>
-          <a:srcRect/>
-          <a:stretch>
-            <a:fillRect/>
-          </a:stretch>
-        </p:blipFill>
-        <p:spPr bwMode="auto">
-          <a:xfrm>
-            <a:off x="1524000" y="0"/>
-            <a:ext cx="9144000" cy="6858000"/>
-          </a:xfrm>
-          <a:prstGeom prst="rect">
-            <a:avLst/>
-          </a:prstGeom>
-          <a:noFill/>
-          <a:ln>
-            <a:noFill/>
-          </a:ln>
-          <a:effectLst/>
-          <a:extLst>
-            <a:ext uri="{909E8E84-426E-40DD-AFC4-6F175D3DCCD1}">
-              <a14:hiddenFill xmlns:a14="http://schemas.microsoft.com/office/drawing/2010/main">
-                <a:solidFill>
-                  <a:srgbClr val="FFFFFF"/>
-                </a:solidFill>
-              </a14:hiddenFill>
-            </a:ext>
-            <a:ext uri="{91240B29-F687-4F45-9708-019B960494DF}">
-              <a14:hiddenLine xmlns:a14="http://schemas.microsoft.com/office/drawing/2010/main" w="9525">
-                <a:solidFill>
-                  <a:srgbClr val="000000"/>
-                </a:solidFill>
-                <a:miter lim="800000"/>
-                <a:headEnd/>
-                <a:tailEnd/>
-              </a14:hiddenLine>
-            </a:ext>
-            <a:ext uri="{AF507438-7753-43E0-B8FC-AC1667EBCBE1}">
-              <a14:hiddenEffects xmlns:a14="http://schemas.microsoft.com/office/drawing/2010/main">
-                <a:effectLst>
-                  <a:outerShdw dist="35921" dir="2700000" algn="ctr" rotWithShape="0">
-                    <a:srgbClr val="808080"/>
-                  </a:outerShdw>
-                </a:effectLst>
-              </a14:hiddenEffects>
-            </a:ext>
-          </a:extLst>
-        </p:spPr>
-      </p:pic>
     </p:spTree>
   </p:cSld>
   <p:clrMapOvr>
     <a:masterClrMapping/>
   </p:clrMapOvr>
-  <p:timing>
-    <p:tnLst>
-      <p:par>
-        <p:cTn id="1" dur="indefinite" restart="never" nodeType="tmRoot">
-          <p:childTnLst>
-            <p:seq concurrent="1" nextAc="seek">
-              <p:cTn id="2" dur="indefinite" nodeType="mainSeq">
-                <p:childTnLst>
-                  <p:par>
-                    <p:cTn id="3" fill="hold" nodeType="clickPar">
-                      <p:stCondLst>
-                        <p:cond delay="indefinite"/>
-                      </p:stCondLst>
-                      <p:childTnLst>
-                        <p:par>
-                          <p:cTn id="4" fill="hold" nodeType="withGroup">
-                            <p:stCondLst>
-                              <p:cond delay="0"/>
-                            </p:stCondLst>
-                            <p:childTnLst>
-                              <p:par>
-                                <p:cTn id="5" presetID="10" presetClass="entr" presetSubtype="0" fill="hold" nodeType="clickEffect">
-                                  <p:stCondLst>
-                                    <p:cond delay="0"/>
-                                  </p:stCondLst>
-                                  <p:childTnLst>
-                                    <p:set>
-                                      <p:cBhvr>
-                                        <p:cTn id="6" dur="1" fill="hold">
-                                          <p:stCondLst>
-                                            <p:cond delay="0"/>
-                                          </p:stCondLst>
-                                        </p:cTn>
-                                        <p:tgtEl>
-                                          <p:spTgt spid="1182723"/>
-                                        </p:tgtEl>
-                                        <p:attrNameLst>
-                                          <p:attrName>style.visibility</p:attrName>
-                                        </p:attrNameLst>
-                                      </p:cBhvr>
-                                      <p:to>
-                                        <p:strVal val="visible"/>
-                                      </p:to>
-                                    </p:set>
-                                    <p:animEffect transition="in" filter="fade">
-                                      <p:cBhvr>
-                                        <p:cTn id="7" dur="500"/>
-                                        <p:tgtEl>
-                                          <p:spTgt spid="1182723"/>
-                                        </p:tgtEl>
-                                      </p:cBhvr>
-                                    </p:animEffect>
-                                  </p:childTnLst>
-                                </p:cTn>
-                              </p:par>
-                            </p:childTnLst>
-                          </p:cTn>
-                        </p:par>
-                      </p:childTnLst>
-                    </p:cTn>
-                  </p:par>
-                </p:childTnLst>
-              </p:cTn>
-              <p:prevCondLst>
-                <p:cond evt="onPrev" delay="0">
-                  <p:tgtEl>
-                    <p:sldTgt/>
-                  </p:tgtEl>
-                </p:cond>
-              </p:prevCondLst>
-              <p:nextCondLst>
-                <p:cond evt="onNext" delay="0">
-                  <p:tgtEl>
-                    <p:sldTgt/>
-                  </p:tgtEl>
-                </p:cond>
-              </p:nextCondLst>
-            </p:seq>
-          </p:childTnLst>
-        </p:cTn>
-      </p:par>
-    </p:tnLst>
-  </p:timing>
 </p:sld>
 </file>
 
